--- a/week05/Lambda.pptx
+++ b/week05/Lambda.pptx
@@ -6,7 +6,7 @@
     <p:sldMasterId id="2147483708" r:id="rId2"/>
   </p:sldMasterIdLst>
   <p:notesMasterIdLst>
-    <p:notesMasterId r:id="rId14"/>
+    <p:notesMasterId r:id="rId15"/>
   </p:notesMasterIdLst>
   <p:sldIdLst>
     <p:sldId id="285" r:id="rId3"/>
@@ -17,19 +17,20 @@
     <p:sldId id="331" r:id="rId8"/>
     <p:sldId id="327" r:id="rId9"/>
     <p:sldId id="332" r:id="rId10"/>
-    <p:sldId id="325" r:id="rId11"/>
-    <p:sldId id="326" r:id="rId12"/>
-    <p:sldId id="328" r:id="rId13"/>
+    <p:sldId id="334" r:id="rId11"/>
+    <p:sldId id="325" r:id="rId12"/>
+    <p:sldId id="326" r:id="rId13"/>
+    <p:sldId id="328" r:id="rId14"/>
   </p:sldIdLst>
   <p:sldSz cx="16256000" cy="9144000"/>
   <p:notesSz cx="6858000" cy="9144000"/>
   <p:embeddedFontLst>
     <p:embeddedFont>
       <p:font typeface="Cabin" panose="020B0604020202020204" charset="0"/>
-      <p:regular r:id="rId15"/>
-      <p:bold r:id="rId16"/>
-      <p:italic r:id="rId17"/>
-      <p:boldItalic r:id="rId18"/>
+      <p:regular r:id="rId16"/>
+      <p:bold r:id="rId17"/>
+      <p:italic r:id="rId18"/>
+      <p:boldItalic r:id="rId19"/>
     </p:embeddedFont>
   </p:embeddedFontLst>
   <p:defaultTextStyle>
@@ -633,6 +634,116 @@
 </p:notes>
 </file>
 
+<file path=ppt/notesSlides/notesSlide10.xml><?xml version="1.0" encoding="utf-8"?>
+<p:notes xmlns:a="http://schemas.openxmlformats.org/drawingml/2006/main" xmlns:r="http://schemas.openxmlformats.org/officeDocument/2006/relationships" xmlns:p="http://schemas.openxmlformats.org/presentationml/2006/main" showMasterSp="0" showMasterPhAnim="0">
+  <p:cSld>
+    <p:spTree>
+      <p:nvGrpSpPr>
+        <p:cNvPr id="1" name="Shape 209"/>
+        <p:cNvGrpSpPr/>
+        <p:nvPr/>
+      </p:nvGrpSpPr>
+      <p:grpSpPr>
+        <a:xfrm>
+          <a:off x="0" y="0"/>
+          <a:ext cx="0" cy="0"/>
+          <a:chOff x="0" y="0"/>
+          <a:chExt cx="0" cy="0"/>
+        </a:xfrm>
+      </p:grpSpPr>
+      <p:sp>
+        <p:nvSpPr>
+          <p:cNvPr id="210" name="Shape 210"/>
+          <p:cNvSpPr txBox="1">
+            <a:spLocks noGrp="1"/>
+          </p:cNvSpPr>
+          <p:nvPr>
+            <p:ph type="body" idx="1"/>
+          </p:nvPr>
+        </p:nvSpPr>
+        <p:spPr>
+          <a:xfrm>
+            <a:off x="685800" y="4343400"/>
+            <a:ext cx="5486399" cy="4114800"/>
+          </a:xfrm>
+          <a:prstGeom prst="rect">
+            <a:avLst/>
+          </a:prstGeom>
+          <a:noFill/>
+          <a:ln>
+            <a:noFill/>
+          </a:ln>
+        </p:spPr>
+        <p:txBody>
+          <a:bodyPr lIns="91425" tIns="91425" rIns="91425" bIns="91425" anchor="ctr" anchorCtr="0">
+            <a:noAutofit/>
+          </a:bodyPr>
+          <a:lstStyle/>
+          <a:p>
+            <a:pPr lvl="0">
+              <a:spcBef>
+                <a:spcPts val="0"/>
+              </a:spcBef>
+              <a:buNone/>
+            </a:pPr>
+            <a:endParaRPr/>
+          </a:p>
+        </p:txBody>
+      </p:sp>
+      <p:sp>
+        <p:nvSpPr>
+          <p:cNvPr id="211" name="Shape 211"/>
+          <p:cNvSpPr>
+            <a:spLocks noGrp="1" noRot="1" noChangeAspect="1"/>
+          </p:cNvSpPr>
+          <p:nvPr>
+            <p:ph type="sldImg" idx="2"/>
+          </p:nvPr>
+        </p:nvSpPr>
+        <p:spPr>
+          <a:xfrm>
+            <a:off x="381000" y="685800"/>
+            <a:ext cx="6096000" cy="3429000"/>
+          </a:xfrm>
+          <a:custGeom>
+            <a:avLst/>
+            <a:gdLst/>
+            <a:ahLst/>
+            <a:cxnLst/>
+            <a:rect l="0" t="0" r="0" b="0"/>
+            <a:pathLst>
+              <a:path w="120000" h="120000" extrusionOk="0">
+                <a:moveTo>
+                  <a:pt x="0" y="0"/>
+                </a:moveTo>
+                <a:lnTo>
+                  <a:pt x="120000" y="0"/>
+                </a:lnTo>
+                <a:lnTo>
+                  <a:pt x="120000" y="120000"/>
+                </a:lnTo>
+                <a:lnTo>
+                  <a:pt x="0" y="120000"/>
+                </a:lnTo>
+                <a:close/>
+              </a:path>
+            </a:pathLst>
+          </a:custGeom>
+        </p:spPr>
+      </p:sp>
+    </p:spTree>
+    <p:extLst>
+      <p:ext uri="{BB962C8B-B14F-4D97-AF65-F5344CB8AC3E}">
+        <p14:creationId xmlns:p14="http://schemas.microsoft.com/office/powerpoint/2010/main" val="3577381200"/>
+      </p:ext>
+    </p:extLst>
+  </p:cSld>
+  <p:clrMapOvr>
+    <a:masterClrMapping/>
+  </p:clrMapOvr>
+</p:notes>
+</file>
+
 <file path=ppt/notesSlides/notesSlide2.xml><?xml version="1.0" encoding="utf-8"?>
 <p:notes xmlns:a="http://schemas.openxmlformats.org/drawingml/2006/main" xmlns:r="http://schemas.openxmlformats.org/officeDocument/2006/relationships" xmlns:p="http://schemas.openxmlformats.org/presentationml/2006/main" showMasterSp="0" showMasterPhAnim="0">
   <p:cSld>
@@ -1283,7 +1394,7 @@
     </p:spTree>
     <p:extLst>
       <p:ext uri="{BB962C8B-B14F-4D97-AF65-F5344CB8AC3E}">
-        <p14:creationId xmlns:p14="http://schemas.microsoft.com/office/powerpoint/2010/main" val="1947399170"/>
+        <p14:creationId xmlns:p14="http://schemas.microsoft.com/office/powerpoint/2010/main" val="98037529"/>
       </p:ext>
     </p:extLst>
   </p:cSld>
@@ -1393,7 +1504,7 @@
     </p:spTree>
     <p:extLst>
       <p:ext uri="{BB962C8B-B14F-4D97-AF65-F5344CB8AC3E}">
-        <p14:creationId xmlns:p14="http://schemas.microsoft.com/office/powerpoint/2010/main" val="2241784799"/>
+        <p14:creationId xmlns:p14="http://schemas.microsoft.com/office/powerpoint/2010/main" val="1947399170"/>
       </p:ext>
     </p:extLst>
   </p:cSld>
@@ -1503,7 +1614,7 @@
     </p:spTree>
     <p:extLst>
       <p:ext uri="{BB962C8B-B14F-4D97-AF65-F5344CB8AC3E}">
-        <p14:creationId xmlns:p14="http://schemas.microsoft.com/office/powerpoint/2010/main" val="3577381200"/>
+        <p14:creationId xmlns:p14="http://schemas.microsoft.com/office/powerpoint/2010/main" val="2241784799"/>
       </p:ext>
     </p:extLst>
   </p:cSld>
@@ -8671,15 +8782,7 @@
                   <a:schemeClr val="tx1"/>
                 </a:solidFill>
               </a:rPr>
-              <a:t>Лекция </a:t>
-            </a:r>
-            <a:r>
-              <a:rPr lang="ru-RU" sz="3200" dirty="0" smtClean="0">
-                <a:solidFill>
-                  <a:schemeClr val="tx1"/>
-                </a:solidFill>
-              </a:rPr>
-              <a:t>9</a:t>
+              <a:t>Лекция 9</a:t>
             </a:r>
             <a:endParaRPr lang="ru-RU" sz="3200" dirty="0">
               <a:solidFill>
@@ -8767,6 +8870,592 @@
           </a:bodyPr>
           <a:lstStyle/>
           <a:p>
+            <a:r>
+              <a:rPr lang="ru-RU" sz="6600" dirty="0"/>
+              <a:t>Различия </a:t>
+            </a:r>
+            <a:r>
+              <a:rPr lang="ru-RU" sz="6600" dirty="0" err="1"/>
+              <a:t>lambda</a:t>
+            </a:r>
+            <a:r>
+              <a:rPr lang="ru-RU" sz="6600" dirty="0"/>
+              <a:t> от </a:t>
+            </a:r>
+            <a:r>
+              <a:rPr lang="ru-RU" sz="6600" dirty="0" err="1" smtClean="0"/>
+              <a:t>def</a:t>
+            </a:r>
+            <a:endParaRPr lang="ru-RU" sz="6600" dirty="0"/>
+          </a:p>
+        </p:txBody>
+      </p:sp>
+      <p:sp>
+        <p:nvSpPr>
+          <p:cNvPr id="229" name="Shape 229"/>
+          <p:cNvSpPr txBox="1"/>
+          <p:nvPr/>
+        </p:nvSpPr>
+        <p:spPr>
+          <a:xfrm>
+            <a:off x="5038725" y="2997200"/>
+            <a:ext cx="1409700" cy="622299"/>
+          </a:xfrm>
+          <a:prstGeom prst="rect">
+            <a:avLst/>
+          </a:prstGeom>
+          <a:noFill/>
+          <a:ln>
+            <a:noFill/>
+          </a:ln>
+        </p:spPr>
+        <p:txBody>
+          <a:bodyPr lIns="0" tIns="0" rIns="0" bIns="0" anchor="ctr" anchorCtr="0">
+            <a:noAutofit/>
+          </a:bodyPr>
+          <a:lstStyle/>
+          <a:p>
+            <a:pPr marL="0" marR="0" lvl="0" indent="0" algn="ctr" defTabSz="914400" rtl="0" eaLnBrk="1" fontAlgn="auto" latinLnBrk="0" hangingPunct="1">
+              <a:lnSpc>
+                <a:spcPct val="100000"/>
+              </a:lnSpc>
+              <a:spcBef>
+                <a:spcPts val="0"/>
+              </a:spcBef>
+              <a:spcAft>
+                <a:spcPts val="0"/>
+              </a:spcAft>
+              <a:buClr>
+                <a:srgbClr val="FFFFFF"/>
+              </a:buClr>
+              <a:buSzPct val="25000"/>
+              <a:buFont typeface="Cabin"/>
+              <a:buNone/>
+              <a:tabLst/>
+              <a:defRPr/>
+            </a:pPr>
+            <a:r>
+              <a:rPr kumimoji="0" lang="en-US" sz="3600" b="0" i="0" u="none" strike="noStrike" kern="0" cap="none" spc="0" normalizeH="0" baseline="0" noProof="0">
+                <a:ln>
+                  <a:noFill/>
+                </a:ln>
+                <a:solidFill>
+                  <a:srgbClr val="FFFFFF"/>
+                </a:solidFill>
+                <a:effectLst/>
+                <a:uLnTx/>
+                <a:uFillTx/>
+                <a:latin typeface="Cabin"/>
+                <a:ea typeface="Cabin"/>
+                <a:cs typeface="Cabin"/>
+                <a:sym typeface="Cabin"/>
+              </a:rPr>
+              <a:t>hello():</a:t>
+            </a:r>
+          </a:p>
+        </p:txBody>
+      </p:sp>
+      <p:sp>
+        <p:nvSpPr>
+          <p:cNvPr id="5" name="Прямоугольник 4"/>
+          <p:cNvSpPr/>
+          <p:nvPr/>
+        </p:nvSpPr>
+        <p:spPr>
+          <a:xfrm>
+            <a:off x="965200" y="2539999"/>
+            <a:ext cx="14782800" cy="5632311"/>
+          </a:xfrm>
+          <a:prstGeom prst="rect">
+            <a:avLst/>
+          </a:prstGeom>
+        </p:spPr>
+        <p:txBody>
+          <a:bodyPr wrap="square">
+            <a:spAutoFit/>
+          </a:bodyPr>
+          <a:lstStyle/>
+          <a:p>
+            <a:pPr marL="0" marR="0" lvl="0" indent="0" algn="l" defTabSz="914400" rtl="0" eaLnBrk="1" fontAlgn="auto" latinLnBrk="0" hangingPunct="1">
+              <a:lnSpc>
+                <a:spcPct val="100000"/>
+              </a:lnSpc>
+              <a:spcBef>
+                <a:spcPts val="0"/>
+              </a:spcBef>
+              <a:spcAft>
+                <a:spcPts val="0"/>
+              </a:spcAft>
+              <a:buClrTx/>
+              <a:buSzTx/>
+              <a:buFontTx/>
+              <a:buNone/>
+              <a:tabLst/>
+              <a:defRPr/>
+            </a:pPr>
+            <a:r>
+              <a:rPr kumimoji="0" lang="ru-RU" sz="3600" b="0" i="0" u="none" strike="noStrike" kern="0" cap="none" spc="0" normalizeH="0" baseline="0" noProof="0" dirty="0" err="1" smtClean="0">
+                <a:ln>
+                  <a:noFill/>
+                </a:ln>
+                <a:solidFill>
+                  <a:srgbClr val="000000"/>
+                </a:solidFill>
+                <a:effectLst/>
+                <a:uLnTx/>
+                <a:uFillTx/>
+                <a:latin typeface="Arial"/>
+                <a:cs typeface="Arial"/>
+                <a:sym typeface="Arial"/>
+              </a:rPr>
+              <a:t>lambda</a:t>
+            </a:r>
+            <a:r>
+              <a:rPr kumimoji="0" lang="ru-RU" sz="3600" b="0" i="0" u="none" strike="noStrike" kern="0" cap="none" spc="0" normalizeH="0" baseline="0" noProof="0" dirty="0" smtClean="0">
+                <a:ln>
+                  <a:noFill/>
+                </a:ln>
+                <a:solidFill>
+                  <a:srgbClr val="000000"/>
+                </a:solidFill>
+                <a:effectLst/>
+                <a:uLnTx/>
+                <a:uFillTx/>
+                <a:latin typeface="Arial"/>
+                <a:cs typeface="Arial"/>
+                <a:sym typeface="Arial"/>
+              </a:rPr>
+              <a:t> </a:t>
+            </a:r>
+            <a:r>
+              <a:rPr kumimoji="0" lang="ru-RU" sz="3600" b="0" i="0" u="none" strike="noStrike" kern="0" cap="none" spc="0" normalizeH="0" baseline="0" noProof="0" dirty="0">
+                <a:ln>
+                  <a:noFill/>
+                </a:ln>
+                <a:solidFill>
+                  <a:srgbClr val="000000"/>
+                </a:solidFill>
+                <a:effectLst/>
+                <a:uLnTx/>
+                <a:uFillTx/>
+                <a:latin typeface="Arial"/>
+                <a:cs typeface="Arial"/>
+                <a:sym typeface="Arial"/>
+              </a:rPr>
+              <a:t>– это выражение, а не инструкция. По этой причине ключевое слово </a:t>
+            </a:r>
+            <a:r>
+              <a:rPr kumimoji="0" lang="ru-RU" sz="3600" b="0" i="0" u="none" strike="noStrike" kern="0" cap="none" spc="0" normalizeH="0" baseline="0" noProof="0" dirty="0" err="1">
+                <a:ln>
+                  <a:noFill/>
+                </a:ln>
+                <a:solidFill>
+                  <a:srgbClr val="000000"/>
+                </a:solidFill>
+                <a:effectLst/>
+                <a:uLnTx/>
+                <a:uFillTx/>
+                <a:latin typeface="Arial"/>
+                <a:cs typeface="Arial"/>
+                <a:sym typeface="Arial"/>
+              </a:rPr>
+              <a:t>lambda</a:t>
+            </a:r>
+            <a:r>
+              <a:rPr kumimoji="0" lang="ru-RU" sz="3600" b="0" i="0" u="none" strike="noStrike" kern="0" cap="none" spc="0" normalizeH="0" baseline="0" noProof="0" dirty="0">
+                <a:ln>
+                  <a:noFill/>
+                </a:ln>
+                <a:solidFill>
+                  <a:srgbClr val="000000"/>
+                </a:solidFill>
+                <a:effectLst/>
+                <a:uLnTx/>
+                <a:uFillTx/>
+                <a:latin typeface="Arial"/>
+                <a:cs typeface="Arial"/>
+                <a:sym typeface="Arial"/>
+              </a:rPr>
+              <a:t>  может  появляться там, где синтаксис  языка  </a:t>
+            </a:r>
+            <a:r>
+              <a:rPr kumimoji="0" lang="ru-RU" sz="3600" b="0" i="0" u="none" strike="noStrike" kern="0" cap="none" spc="0" normalizeH="0" baseline="0" noProof="0" dirty="0" err="1">
+                <a:ln>
+                  <a:noFill/>
+                </a:ln>
+                <a:solidFill>
+                  <a:srgbClr val="000000"/>
+                </a:solidFill>
+                <a:effectLst/>
+                <a:uLnTx/>
+                <a:uFillTx/>
+                <a:latin typeface="Arial"/>
+                <a:cs typeface="Arial"/>
+                <a:sym typeface="Arial"/>
+              </a:rPr>
+              <a:t>Python</a:t>
+            </a:r>
+            <a:r>
+              <a:rPr kumimoji="0" lang="ru-RU" sz="3600" b="0" i="0" u="none" strike="noStrike" kern="0" cap="none" spc="0" normalizeH="0" baseline="0" noProof="0" dirty="0">
+                <a:ln>
+                  <a:noFill/>
+                </a:ln>
+                <a:solidFill>
+                  <a:srgbClr val="000000"/>
+                </a:solidFill>
+                <a:effectLst/>
+                <a:uLnTx/>
+                <a:uFillTx/>
+                <a:latin typeface="Arial"/>
+                <a:cs typeface="Arial"/>
+                <a:sym typeface="Arial"/>
+              </a:rPr>
+              <a:t> не позволяет использовать инструкцию </a:t>
+            </a:r>
+            <a:r>
+              <a:rPr kumimoji="0" lang="ru-RU" sz="3600" b="0" i="0" u="none" strike="noStrike" kern="0" cap="none" spc="0" normalizeH="0" baseline="0" noProof="0" dirty="0" err="1">
+                <a:ln>
+                  <a:noFill/>
+                </a:ln>
+                <a:solidFill>
+                  <a:srgbClr val="000000"/>
+                </a:solidFill>
+                <a:effectLst/>
+                <a:uLnTx/>
+                <a:uFillTx/>
+                <a:latin typeface="Arial"/>
+                <a:cs typeface="Arial"/>
+                <a:sym typeface="Arial"/>
+              </a:rPr>
+              <a:t>def</a:t>
+            </a:r>
+            <a:r>
+              <a:rPr kumimoji="0" lang="ru-RU" sz="3600" b="0" i="0" u="none" strike="noStrike" kern="0" cap="none" spc="0" normalizeH="0" baseline="0" noProof="0" dirty="0">
+                <a:ln>
+                  <a:noFill/>
+                </a:ln>
+                <a:solidFill>
+                  <a:srgbClr val="000000"/>
+                </a:solidFill>
+                <a:effectLst/>
+                <a:uLnTx/>
+                <a:uFillTx/>
+                <a:latin typeface="Arial"/>
+                <a:cs typeface="Arial"/>
+                <a:sym typeface="Arial"/>
+              </a:rPr>
+              <a:t>, – внутри литералов или в вызовах функций, например.</a:t>
+            </a:r>
+          </a:p>
+          <a:p>
+            <a:pPr marL="0" marR="0" lvl="0" indent="0" algn="l" defTabSz="914400" rtl="0" eaLnBrk="1" fontAlgn="auto" latinLnBrk="0" hangingPunct="1">
+              <a:lnSpc>
+                <a:spcPct val="100000"/>
+              </a:lnSpc>
+              <a:spcBef>
+                <a:spcPts val="0"/>
+              </a:spcBef>
+              <a:spcAft>
+                <a:spcPts val="0"/>
+              </a:spcAft>
+              <a:buClrTx/>
+              <a:buSzTx/>
+              <a:buFontTx/>
+              <a:buNone/>
+              <a:tabLst/>
+              <a:defRPr/>
+            </a:pPr>
+            <a:endParaRPr kumimoji="0" lang="ru-RU" sz="3600" b="0" i="0" u="none" strike="noStrike" kern="0" cap="none" spc="0" normalizeH="0" baseline="0" noProof="0" dirty="0">
+              <a:ln>
+                <a:noFill/>
+              </a:ln>
+              <a:solidFill>
+                <a:srgbClr val="000000"/>
+              </a:solidFill>
+              <a:effectLst/>
+              <a:uLnTx/>
+              <a:uFillTx/>
+              <a:latin typeface="Arial"/>
+              <a:cs typeface="Arial"/>
+              <a:sym typeface="Arial"/>
+            </a:endParaRPr>
+          </a:p>
+          <a:p>
+            <a:pPr marL="0" marR="0" lvl="0" indent="0" algn="l" defTabSz="914400" rtl="0" eaLnBrk="1" fontAlgn="auto" latinLnBrk="0" hangingPunct="1">
+              <a:lnSpc>
+                <a:spcPct val="100000"/>
+              </a:lnSpc>
+              <a:spcBef>
+                <a:spcPts val="0"/>
+              </a:spcBef>
+              <a:spcAft>
+                <a:spcPts val="0"/>
+              </a:spcAft>
+              <a:buClrTx/>
+              <a:buSzTx/>
+              <a:buFontTx/>
+              <a:buNone/>
+              <a:tabLst/>
+              <a:defRPr/>
+            </a:pPr>
+            <a:r>
+              <a:rPr kumimoji="0" lang="en-US" sz="3600" b="0" i="0" u="none" strike="noStrike" kern="0" cap="none" spc="0" normalizeH="0" baseline="0" noProof="0" dirty="0" smtClean="0">
+                <a:ln>
+                  <a:noFill/>
+                </a:ln>
+                <a:solidFill>
+                  <a:srgbClr val="000000"/>
+                </a:solidFill>
+                <a:effectLst/>
+                <a:uLnTx/>
+                <a:uFillTx/>
+                <a:latin typeface="Arial"/>
+                <a:cs typeface="Arial"/>
+                <a:sym typeface="Arial"/>
+              </a:rPr>
+              <a:t>T</a:t>
+            </a:r>
+            <a:r>
+              <a:rPr kumimoji="0" lang="ru-RU" sz="3600" b="0" i="0" u="none" strike="noStrike" kern="0" cap="none" spc="0" normalizeH="0" baseline="0" noProof="0" dirty="0" smtClean="0">
+                <a:ln>
+                  <a:noFill/>
+                </a:ln>
+                <a:solidFill>
+                  <a:srgbClr val="000000"/>
+                </a:solidFill>
+                <a:effectLst/>
+                <a:uLnTx/>
+                <a:uFillTx/>
+                <a:latin typeface="Arial"/>
+                <a:cs typeface="Arial"/>
+                <a:sym typeface="Arial"/>
+              </a:rPr>
+              <a:t>ело  </a:t>
+            </a:r>
+            <a:r>
+              <a:rPr kumimoji="0" lang="ru-RU" sz="3600" b="0" i="0" u="none" strike="noStrike" kern="0" cap="none" spc="0" normalizeH="0" baseline="0" noProof="0" dirty="0" err="1">
+                <a:ln>
+                  <a:noFill/>
+                </a:ln>
+                <a:solidFill>
+                  <a:srgbClr val="000000"/>
+                </a:solidFill>
+                <a:effectLst/>
+                <a:uLnTx/>
+                <a:uFillTx/>
+                <a:latin typeface="Arial"/>
+                <a:cs typeface="Arial"/>
+                <a:sym typeface="Arial"/>
+              </a:rPr>
+              <a:t>lambda</a:t>
+            </a:r>
+            <a:r>
+              <a:rPr kumimoji="0" lang="ru-RU" sz="3600" b="0" i="0" u="none" strike="noStrike" kern="0" cap="none" spc="0" normalizeH="0" baseline="0" noProof="0" dirty="0">
+                <a:ln>
+                  <a:noFill/>
+                </a:ln>
+                <a:solidFill>
+                  <a:srgbClr val="000000"/>
+                </a:solidFill>
+                <a:effectLst/>
+                <a:uLnTx/>
+                <a:uFillTx/>
+                <a:latin typeface="Arial"/>
+                <a:cs typeface="Arial"/>
+                <a:sym typeface="Arial"/>
+              </a:rPr>
+              <a:t> – это не блок инструкций, а единственное выражение.  Тело</a:t>
+            </a:r>
+          </a:p>
+          <a:p>
+            <a:pPr marL="0" marR="0" lvl="0" indent="0" algn="l" defTabSz="914400" rtl="0" eaLnBrk="1" fontAlgn="auto" latinLnBrk="0" hangingPunct="1">
+              <a:lnSpc>
+                <a:spcPct val="100000"/>
+              </a:lnSpc>
+              <a:spcBef>
+                <a:spcPts val="0"/>
+              </a:spcBef>
+              <a:spcAft>
+                <a:spcPts val="0"/>
+              </a:spcAft>
+              <a:buClrTx/>
+              <a:buSzTx/>
+              <a:buFontTx/>
+              <a:buNone/>
+              <a:tabLst/>
+              <a:defRPr/>
+            </a:pPr>
+            <a:r>
+              <a:rPr kumimoji="0" lang="ru-RU" sz="3600" b="0" i="0" u="none" strike="noStrike" kern="0" cap="none" spc="0" normalizeH="0" baseline="0" noProof="0" dirty="0" err="1">
+                <a:ln>
+                  <a:noFill/>
+                </a:ln>
+                <a:solidFill>
+                  <a:srgbClr val="000000"/>
+                </a:solidFill>
+                <a:effectLst/>
+                <a:uLnTx/>
+                <a:uFillTx/>
+                <a:latin typeface="Arial"/>
+                <a:cs typeface="Arial"/>
+                <a:sym typeface="Arial"/>
+              </a:rPr>
+              <a:t>lambda</a:t>
+            </a:r>
+            <a:r>
+              <a:rPr kumimoji="0" lang="ru-RU" sz="3600" b="0" i="0" u="none" strike="noStrike" kern="0" cap="none" spc="0" normalizeH="0" baseline="0" noProof="0" dirty="0">
+                <a:ln>
+                  <a:noFill/>
+                </a:ln>
+                <a:solidFill>
+                  <a:srgbClr val="000000"/>
+                </a:solidFill>
+                <a:effectLst/>
+                <a:uLnTx/>
+                <a:uFillTx/>
+                <a:latin typeface="Arial"/>
+                <a:cs typeface="Arial"/>
+                <a:sym typeface="Arial"/>
+              </a:rPr>
+              <a:t>-выражения сродни тому, что вы помещаете в инструкцию </a:t>
+            </a:r>
+            <a:r>
+              <a:rPr kumimoji="0" lang="ru-RU" sz="3600" b="0" i="0" u="none" strike="noStrike" kern="0" cap="none" spc="0" normalizeH="0" baseline="0" noProof="0" dirty="0" err="1">
+                <a:ln>
+                  <a:noFill/>
+                </a:ln>
+                <a:solidFill>
+                  <a:srgbClr val="000000"/>
+                </a:solidFill>
+                <a:effectLst/>
+                <a:uLnTx/>
+                <a:uFillTx/>
+                <a:latin typeface="Arial"/>
+                <a:cs typeface="Arial"/>
+                <a:sym typeface="Arial"/>
+              </a:rPr>
+              <a:t>return</a:t>
+            </a:r>
+            <a:r>
+              <a:rPr kumimoji="0" lang="ru-RU" sz="3600" b="0" i="0" u="none" strike="noStrike" kern="0" cap="none" spc="0" normalizeH="0" baseline="0" noProof="0" dirty="0">
+                <a:ln>
+                  <a:noFill/>
+                </a:ln>
+                <a:solidFill>
+                  <a:srgbClr val="000000"/>
+                </a:solidFill>
+                <a:effectLst/>
+                <a:uLnTx/>
+                <a:uFillTx/>
+                <a:latin typeface="Arial"/>
+                <a:cs typeface="Arial"/>
+                <a:sym typeface="Arial"/>
+              </a:rPr>
+              <a:t> внутри определения </a:t>
+            </a:r>
+            <a:r>
+              <a:rPr kumimoji="0" lang="ru-RU" sz="3600" b="0" i="0" u="none" strike="noStrike" kern="0" cap="none" spc="0" normalizeH="0" baseline="0" noProof="0" dirty="0" err="1">
+                <a:ln>
+                  <a:noFill/>
+                </a:ln>
+                <a:solidFill>
+                  <a:srgbClr val="000000"/>
+                </a:solidFill>
+                <a:effectLst/>
+                <a:uLnTx/>
+                <a:uFillTx/>
+                <a:latin typeface="Arial"/>
+                <a:cs typeface="Arial"/>
+                <a:sym typeface="Arial"/>
+              </a:rPr>
+              <a:t>def</a:t>
+            </a:r>
+            <a:r>
+              <a:rPr kumimoji="0" lang="ru-RU" sz="3600" b="0" i="0" u="none" strike="noStrike" kern="0" cap="none" spc="0" normalizeH="0" baseline="0" noProof="0" dirty="0">
+                <a:ln>
+                  <a:noFill/>
+                </a:ln>
+                <a:solidFill>
+                  <a:srgbClr val="000000"/>
+                </a:solidFill>
+                <a:effectLst/>
+                <a:uLnTx/>
+                <a:uFillTx/>
+                <a:latin typeface="Arial"/>
+                <a:cs typeface="Arial"/>
+                <a:sym typeface="Arial"/>
+              </a:rPr>
+              <a:t>, – вы просто вводите результат в виде выражения вместо  его явного  возврата.</a:t>
+            </a:r>
+          </a:p>
+        </p:txBody>
+      </p:sp>
+    </p:spTree>
+    <p:extLst>
+      <p:ext uri="{BB962C8B-B14F-4D97-AF65-F5344CB8AC3E}">
+        <p14:creationId xmlns:p14="http://schemas.microsoft.com/office/powerpoint/2010/main" val="2750641273"/>
+      </p:ext>
+    </p:extLst>
+  </p:cSld>
+  <p:clrMapOvr>
+    <a:masterClrMapping/>
+  </p:clrMapOvr>
+  <p:timing>
+    <p:tnLst>
+      <p:par>
+        <p:cTn id="1" dur="indefinite" restart="never" nodeType="tmRoot"/>
+      </p:par>
+    </p:tnLst>
+  </p:timing>
+</p:sld>
+</file>
+
+<file path=ppt/slides/slide11.xml><?xml version="1.0" encoding="utf-8"?>
+<p:sld xmlns:a="http://schemas.openxmlformats.org/drawingml/2006/main" xmlns:r="http://schemas.openxmlformats.org/officeDocument/2006/relationships" xmlns:p="http://schemas.openxmlformats.org/presentationml/2006/main">
+  <p:cSld>
+    <p:spTree>
+      <p:nvGrpSpPr>
+        <p:cNvPr id="1" name="Shape 212"/>
+        <p:cNvGrpSpPr/>
+        <p:nvPr/>
+      </p:nvGrpSpPr>
+      <p:grpSpPr>
+        <a:xfrm>
+          <a:off x="0" y="0"/>
+          <a:ext cx="0" cy="0"/>
+          <a:chOff x="0" y="0"/>
+          <a:chExt cx="0" cy="0"/>
+        </a:xfrm>
+      </p:grpSpPr>
+      <p:sp>
+        <p:nvSpPr>
+          <p:cNvPr id="213" name="Shape 213"/>
+          <p:cNvSpPr txBox="1">
+            <a:spLocks noGrp="1"/>
+          </p:cNvSpPr>
+          <p:nvPr>
+            <p:ph type="title"/>
+          </p:nvPr>
+        </p:nvSpPr>
+        <p:spPr>
+          <a:xfrm>
+            <a:off x="1155700" y="241300"/>
+            <a:ext cx="13931900" cy="2298699"/>
+          </a:xfrm>
+          <a:prstGeom prst="rect">
+            <a:avLst/>
+          </a:prstGeom>
+          <a:noFill/>
+          <a:ln>
+            <a:noFill/>
+          </a:ln>
+        </p:spPr>
+        <p:txBody>
+          <a:bodyPr lIns="38100" tIns="38100" rIns="38100" bIns="38100" anchor="ctr" anchorCtr="0">
+            <a:noAutofit/>
+          </a:bodyPr>
+          <a:lstStyle/>
+          <a:p>
             <a:pPr marL="0" marR="0" lvl="0" indent="0" algn="ctr" rtl="0">
               <a:lnSpc>
                 <a:spcPct val="100000"/>
@@ -8893,7 +9582,7 @@
 </p:sld>
 </file>
 
-<file path=ppt/slides/slide11.xml><?xml version="1.0" encoding="utf-8"?>
+<file path=ppt/slides/slide12.xml><?xml version="1.0" encoding="utf-8"?>
 <p:sld xmlns:a="http://schemas.openxmlformats.org/drawingml/2006/main" xmlns:r="http://schemas.openxmlformats.org/officeDocument/2006/relationships" xmlns:p="http://schemas.openxmlformats.org/presentationml/2006/main">
   <p:cSld>
     <p:bg>
@@ -8963,8 +9652,8 @@
         </p:nvSpPr>
         <p:spPr>
           <a:xfrm>
-            <a:off x="5038725" y="2997200"/>
-            <a:ext cx="1409700" cy="622299"/>
+            <a:off x="1465386" y="2997200"/>
+            <a:ext cx="14126306" cy="622299"/>
           </a:xfrm>
           <a:prstGeom prst="rect">
             <a:avLst/>
@@ -8980,43 +9669,123 @@
           </a:bodyPr>
           <a:lstStyle/>
           <a:p>
-            <a:pPr marL="0" marR="0" lvl="0" indent="0" algn="ctr" defTabSz="914400" rtl="0" eaLnBrk="1" fontAlgn="auto" latinLnBrk="0" hangingPunct="1">
-              <a:lnSpc>
-                <a:spcPct val="100000"/>
-              </a:lnSpc>
-              <a:spcBef>
-                <a:spcPts val="0"/>
-              </a:spcBef>
-              <a:spcAft>
-                <a:spcPts val="0"/>
-              </a:spcAft>
+            <a:pPr lvl="0" algn="ctr">
               <a:buClr>
                 <a:srgbClr val="FFFFFF"/>
               </a:buClr>
               <a:buSzPct val="25000"/>
-              <a:buFont typeface="Cabin"/>
-              <a:buNone/>
-              <a:tabLst/>
               <a:defRPr/>
             </a:pPr>
             <a:r>
-              <a:rPr kumimoji="0" lang="en-US" sz="3600" b="0" i="0" u="none" strike="noStrike" kern="0" cap="none" spc="0" normalizeH="0" baseline="0" noProof="0">
-                <a:ln>
-                  <a:noFill/>
-                </a:ln>
+              <a:rPr lang="en-US" sz="3600" dirty="0" smtClean="0">
                 <a:solidFill>
-                  <a:srgbClr val="FFFFFF"/>
+                  <a:schemeClr val="bg2"/>
                 </a:solidFill>
-                <a:effectLst/>
-                <a:uLnTx/>
-                <a:uFillTx/>
+                <a:latin typeface="Cabin"/>
+                <a:ea typeface="Cabin"/>
+                <a:cs typeface="Cabin"/>
+                <a:sym typeface="Cabin"/>
+                <a:hlinkClick r:id="rId3"/>
+              </a:rPr>
+              <a:t>https</a:t>
+            </a:r>
+            <a:r>
+              <a:rPr lang="en-US" sz="3600" dirty="0">
+                <a:solidFill>
+                  <a:schemeClr val="bg2"/>
+                </a:solidFill>
+                <a:latin typeface="Cabin"/>
+                <a:ea typeface="Cabin"/>
+                <a:cs typeface="Cabin"/>
+                <a:sym typeface="Cabin"/>
+                <a:hlinkClick r:id="rId3"/>
+              </a:rPr>
+              <a:t>://</a:t>
+            </a:r>
+            <a:r>
+              <a:rPr lang="en-US" sz="3600" dirty="0" smtClean="0">
+                <a:solidFill>
+                  <a:schemeClr val="bg2"/>
+                </a:solidFill>
+                <a:latin typeface="Cabin"/>
+                <a:ea typeface="Cabin"/>
+                <a:cs typeface="Cabin"/>
+                <a:sym typeface="Cabin"/>
+                <a:hlinkClick r:id="rId3"/>
+              </a:rPr>
+              <a:t>pythlife.blogspot.com/2012/11/python.html</a:t>
+            </a:r>
+            <a:endParaRPr lang="en-US" sz="3600" dirty="0" smtClean="0">
+              <a:solidFill>
+                <a:schemeClr val="bg2"/>
+              </a:solidFill>
+              <a:latin typeface="Cabin"/>
+              <a:ea typeface="Cabin"/>
+              <a:cs typeface="Cabin"/>
+              <a:sym typeface="Cabin"/>
+            </a:endParaRPr>
+          </a:p>
+          <a:p>
+            <a:pPr lvl="0" algn="ctr">
+              <a:buClr>
+                <a:srgbClr val="FFFFFF"/>
+              </a:buClr>
+              <a:buSzPct val="25000"/>
+              <a:defRPr/>
+            </a:pPr>
+            <a:r>
+              <a:rPr lang="en-US" sz="3600" dirty="0">
+                <a:solidFill>
+                  <a:schemeClr val="bg2"/>
+                </a:solidFill>
+                <a:latin typeface="Cabin"/>
+                <a:ea typeface="Cabin"/>
+                <a:cs typeface="Cabin"/>
+                <a:sym typeface="Cabin"/>
+                <a:hlinkClick r:id="rId4"/>
+              </a:rPr>
+              <a:t>http://</a:t>
+            </a:r>
+            <a:r>
+              <a:rPr lang="en-US" sz="3600" dirty="0" smtClean="0">
+                <a:solidFill>
+                  <a:schemeClr val="bg2"/>
+                </a:solidFill>
+                <a:latin typeface="Cabin"/>
+                <a:ea typeface="Cabin"/>
+                <a:cs typeface="Cabin"/>
+                <a:sym typeface="Cabin"/>
+                <a:hlinkClick r:id="rId4"/>
+              </a:rPr>
+              <a:t>v-resheno.ru/481996-nested-functions-scope-in-python</a:t>
+            </a:r>
+            <a:r>
+              <a:rPr lang="en-US" sz="3600" dirty="0" smtClean="0">
+                <a:solidFill>
+                  <a:schemeClr val="bg2"/>
+                </a:solidFill>
                 <a:latin typeface="Cabin"/>
                 <a:ea typeface="Cabin"/>
                 <a:cs typeface="Cabin"/>
                 <a:sym typeface="Cabin"/>
               </a:rPr>
-              <a:t>hello():</a:t>
+              <a:t>   </a:t>
             </a:r>
+            <a:endParaRPr kumimoji="0" lang="en-US" sz="3600" b="0" i="0" u="none" strike="noStrike" kern="0" cap="none" spc="0" normalizeH="0" baseline="0" noProof="0" dirty="0">
+              <a:ln>
+                <a:noFill/>
+              </a:ln>
+              <a:solidFill>
+                <a:schemeClr val="bg2"/>
+              </a:solidFill>
+              <a:effectLst/>
+              <a:uLnTx/>
+              <a:uFillTx/>
+              <a:latin typeface="Cabin"/>
+              <a:ea typeface="Cabin"/>
+              <a:cs typeface="Cabin"/>
+              <a:sym typeface="Cabin"/>
+            </a:endParaRPr>
           </a:p>
         </p:txBody>
       </p:sp>
@@ -12366,19 +13135,7 @@
                 <a:cs typeface="Cabin"/>
                 <a:sym typeface="Cabin"/>
               </a:rPr>
-              <a:t>Передача </a:t>
-            </a:r>
-            <a:r>
-              <a:rPr lang="ru-RU" sz="6600" dirty="0" smtClean="0">
-                <a:solidFill>
-                  <a:schemeClr val="bg2"/>
-                </a:solidFill>
-                <a:latin typeface="Cabin"/>
-                <a:ea typeface="Cabin"/>
-                <a:cs typeface="Cabin"/>
-                <a:sym typeface="Cabin"/>
-              </a:rPr>
-              <a:t>в функцию лямбд</a:t>
+              <a:t>Передача в функцию лямбд</a:t>
             </a:r>
             <a:endParaRPr lang="en-US" sz="6600" dirty="0">
               <a:solidFill>
@@ -12523,23 +13280,56 @@
           </a:bodyPr>
           <a:lstStyle/>
           <a:p>
+            <a:pPr marL="0" marR="0" lvl="0" indent="0" algn="ctr" rtl="0">
+              <a:lnSpc>
+                <a:spcPct val="100000"/>
+              </a:lnSpc>
+              <a:spcBef>
+                <a:spcPts val="0"/>
+              </a:spcBef>
+              <a:spcAft>
+                <a:spcPts val="0"/>
+              </a:spcAft>
+              <a:buClr>
+                <a:schemeClr val="lt1"/>
+              </a:buClr>
+              <a:buSzPct val="25000"/>
+              <a:buFont typeface="Cabin"/>
+              <a:buNone/>
+            </a:pPr>
             <a:r>
-              <a:rPr lang="ru-RU" sz="6600" dirty="0"/>
-              <a:t>Различия </a:t>
+              <a:rPr lang="ru-RU" sz="6600" dirty="0" smtClean="0">
+                <a:solidFill>
+                  <a:schemeClr val="bg2"/>
+                </a:solidFill>
+                <a:latin typeface="Cabin"/>
+                <a:ea typeface="Cabin"/>
+                <a:cs typeface="Cabin"/>
+                <a:sym typeface="Cabin"/>
+              </a:rPr>
+              <a:t>Функции </a:t>
             </a:r>
             <a:r>
-              <a:rPr lang="ru-RU" sz="6600" dirty="0" err="1"/>
-              <a:t>lambda</a:t>
+              <a:rPr lang="en-US" sz="6600" dirty="0" smtClean="0">
+                <a:solidFill>
+                  <a:schemeClr val="bg2"/>
+                </a:solidFill>
+                <a:latin typeface="Cabin"/>
+                <a:ea typeface="Cabin"/>
+                <a:cs typeface="Cabin"/>
+                <a:sym typeface="Cabin"/>
+              </a:rPr>
+              <a:t>map, filter</a:t>
             </a:r>
-            <a:r>
-              <a:rPr lang="ru-RU" sz="6600" dirty="0"/>
-              <a:t> от </a:t>
-            </a:r>
-            <a:r>
-              <a:rPr lang="ru-RU" sz="6600" dirty="0" err="1" smtClean="0"/>
-              <a:t>def</a:t>
-            </a:r>
-            <a:endParaRPr lang="ru-RU" sz="6600" dirty="0"/>
+            <a:endParaRPr lang="en-US" sz="6600" dirty="0">
+              <a:solidFill>
+                <a:schemeClr val="bg2"/>
+              </a:solidFill>
+              <a:latin typeface="Cabin"/>
+              <a:ea typeface="Cabin"/>
+              <a:cs typeface="Cabin"/>
+              <a:sym typeface="Cabin"/>
+            </a:endParaRPr>
           </a:p>
         </p:txBody>
       </p:sp>
@@ -12610,443 +13400,82 @@
       </p:sp>
       <p:sp>
         <p:nvSpPr>
-          <p:cNvPr id="5" name="Прямоугольник 4"/>
+          <p:cNvPr id="2" name="Прямоугольник 1"/>
           <p:cNvSpPr/>
           <p:nvPr/>
         </p:nvSpPr>
         <p:spPr>
           <a:xfrm>
-            <a:off x="965200" y="2539999"/>
-            <a:ext cx="14782800" cy="5632311"/>
+            <a:off x="1884989" y="3815090"/>
+            <a:ext cx="28205157" cy="738664"/>
           </a:xfrm>
           <a:prstGeom prst="rect">
             <a:avLst/>
           </a:prstGeom>
         </p:spPr>
         <p:txBody>
-          <a:bodyPr wrap="square">
+          <a:bodyPr wrap="none">
             <a:spAutoFit/>
           </a:bodyPr>
           <a:lstStyle/>
           <a:p>
-            <a:pPr marL="0" marR="0" lvl="0" indent="0" algn="l" defTabSz="914400" rtl="0" eaLnBrk="1" fontAlgn="auto" latinLnBrk="0" hangingPunct="1">
-              <a:lnSpc>
-                <a:spcPct val="100000"/>
-              </a:lnSpc>
-              <a:spcBef>
-                <a:spcPts val="0"/>
-              </a:spcBef>
-              <a:spcAft>
-                <a:spcPts val="0"/>
-              </a:spcAft>
-              <a:buClrTx/>
-              <a:buSzTx/>
-              <a:buFontTx/>
-              <a:buNone/>
-              <a:tabLst/>
-              <a:defRPr/>
-            </a:pPr>
             <a:r>
-              <a:rPr kumimoji="0" lang="ru-RU" sz="3600" b="0" i="0" u="none" strike="noStrike" kern="0" cap="none" spc="0" normalizeH="0" baseline="0" noProof="0" dirty="0" err="1" smtClean="0">
-                <a:ln>
-                  <a:noFill/>
-                </a:ln>
-                <a:solidFill>
-                  <a:srgbClr val="000000"/>
-                </a:solidFill>
-                <a:effectLst/>
-                <a:uLnTx/>
-                <a:uFillTx/>
-                <a:latin typeface="Arial"/>
-                <a:cs typeface="Arial"/>
-                <a:sym typeface="Arial"/>
+              <a:rPr lang="en-US" dirty="0">
+                <a:hlinkClick r:id="rId3"/>
               </a:rPr>
-              <a:t>lambda</a:t>
+              <a:t>http://</a:t>
             </a:r>
             <a:r>
-              <a:rPr kumimoji="0" lang="ru-RU" sz="3600" b="0" i="0" u="none" strike="noStrike" kern="0" cap="none" spc="0" normalizeH="0" baseline="0" noProof="0" dirty="0" smtClean="0">
-                <a:ln>
-                  <a:noFill/>
-                </a:ln>
-                <a:solidFill>
-                  <a:srgbClr val="000000"/>
-                </a:solidFill>
-                <a:effectLst/>
-                <a:uLnTx/>
-                <a:uFillTx/>
-                <a:latin typeface="Arial"/>
-                <a:cs typeface="Arial"/>
-                <a:sym typeface="Arial"/>
+              <a:rPr lang="en-US" dirty="0" smtClean="0">
+                <a:hlinkClick r:id="rId3"/>
               </a:rPr>
-              <a:t> </a:t>
+              <a:t>www.bogotobogo.com/python/python_fncs_map_filter_reduce.php</a:t>
+            </a:r>
+            <a:endParaRPr lang="en-US" dirty="0" smtClean="0"/>
+          </a:p>
+          <a:p>
+            <a:r>
+              <a:rPr lang="en-US" dirty="0">
+                <a:hlinkClick r:id="rId4"/>
+              </a:rPr>
+              <a:t>https://ru.wikipedia.org/wiki/%D0%A4%D1%83%D0%BD%D0%BA%D1%86%D0%B8%D0%BE%D0%BD%D0%B0%D0%BB%D1%8C%D0%BD%D0%BE%D0%B5_%D0%BF%D1%80%D0%BE%D0%B3%D1%80%D0%B0%D0%BC%D0%BC%D0%B8%D1%80%D0%BE%D0%B2%D0%B0%D0%BD%D0%B8%D0%B5_%</a:t>
             </a:r>
             <a:r>
-              <a:rPr kumimoji="0" lang="ru-RU" sz="3600" b="0" i="0" u="none" strike="noStrike" kern="0" cap="none" spc="0" normalizeH="0" baseline="0" noProof="0" dirty="0">
-                <a:ln>
-                  <a:noFill/>
-                </a:ln>
-                <a:solidFill>
-                  <a:srgbClr val="000000"/>
-                </a:solidFill>
-                <a:effectLst/>
-                <a:uLnTx/>
-                <a:uFillTx/>
-                <a:latin typeface="Arial"/>
-                <a:cs typeface="Arial"/>
-                <a:sym typeface="Arial"/>
+              <a:rPr lang="en-US" dirty="0" smtClean="0">
+                <a:hlinkClick r:id="rId4"/>
               </a:rPr>
-              <a:t>– это выражение, а не инструкция. По этой причине ключевое слово </a:t>
+              <a:t>D0%BD%D0%B0_Python</a:t>
             </a:r>
             <a:r>
-              <a:rPr kumimoji="0" lang="ru-RU" sz="3600" b="0" i="0" u="none" strike="noStrike" kern="0" cap="none" spc="0" normalizeH="0" baseline="0" noProof="0" dirty="0" err="1">
-                <a:ln>
-                  <a:noFill/>
-                </a:ln>
-                <a:solidFill>
-                  <a:srgbClr val="000000"/>
-                </a:solidFill>
-                <a:effectLst/>
-                <a:uLnTx/>
-                <a:uFillTx/>
-                <a:latin typeface="Arial"/>
-                <a:cs typeface="Arial"/>
-                <a:sym typeface="Arial"/>
-              </a:rPr>
-              <a:t>lambda</a:t>
-            </a:r>
-            <a:r>
-              <a:rPr kumimoji="0" lang="ru-RU" sz="3600" b="0" i="0" u="none" strike="noStrike" kern="0" cap="none" spc="0" normalizeH="0" baseline="0" noProof="0" dirty="0">
-                <a:ln>
-                  <a:noFill/>
-                </a:ln>
-                <a:solidFill>
-                  <a:srgbClr val="000000"/>
-                </a:solidFill>
-                <a:effectLst/>
-                <a:uLnTx/>
-                <a:uFillTx/>
-                <a:latin typeface="Arial"/>
-                <a:cs typeface="Arial"/>
-                <a:sym typeface="Arial"/>
-              </a:rPr>
-              <a:t>  может  появляться там, где синтаксис  языка  </a:t>
-            </a:r>
-            <a:r>
-              <a:rPr kumimoji="0" lang="ru-RU" sz="3600" b="0" i="0" u="none" strike="noStrike" kern="0" cap="none" spc="0" normalizeH="0" baseline="0" noProof="0" dirty="0" err="1">
-                <a:ln>
-                  <a:noFill/>
-                </a:ln>
-                <a:solidFill>
-                  <a:srgbClr val="000000"/>
-                </a:solidFill>
-                <a:effectLst/>
-                <a:uLnTx/>
-                <a:uFillTx/>
-                <a:latin typeface="Arial"/>
-                <a:cs typeface="Arial"/>
-                <a:sym typeface="Arial"/>
-              </a:rPr>
-              <a:t>Python</a:t>
-            </a:r>
-            <a:r>
-              <a:rPr kumimoji="0" lang="ru-RU" sz="3600" b="0" i="0" u="none" strike="noStrike" kern="0" cap="none" spc="0" normalizeH="0" baseline="0" noProof="0" dirty="0">
-                <a:ln>
-                  <a:noFill/>
-                </a:ln>
-                <a:solidFill>
-                  <a:srgbClr val="000000"/>
-                </a:solidFill>
-                <a:effectLst/>
-                <a:uLnTx/>
-                <a:uFillTx/>
-                <a:latin typeface="Arial"/>
-                <a:cs typeface="Arial"/>
-                <a:sym typeface="Arial"/>
-              </a:rPr>
-              <a:t> не позволяет использовать инструкцию </a:t>
-            </a:r>
-            <a:r>
-              <a:rPr kumimoji="0" lang="ru-RU" sz="3600" b="0" i="0" u="none" strike="noStrike" kern="0" cap="none" spc="0" normalizeH="0" baseline="0" noProof="0" dirty="0" err="1">
-                <a:ln>
-                  <a:noFill/>
-                </a:ln>
-                <a:solidFill>
-                  <a:srgbClr val="000000"/>
-                </a:solidFill>
-                <a:effectLst/>
-                <a:uLnTx/>
-                <a:uFillTx/>
-                <a:latin typeface="Arial"/>
-                <a:cs typeface="Arial"/>
-                <a:sym typeface="Arial"/>
-              </a:rPr>
-              <a:t>def</a:t>
-            </a:r>
-            <a:r>
-              <a:rPr kumimoji="0" lang="ru-RU" sz="3600" b="0" i="0" u="none" strike="noStrike" kern="0" cap="none" spc="0" normalizeH="0" baseline="0" noProof="0" dirty="0">
-                <a:ln>
-                  <a:noFill/>
-                </a:ln>
-                <a:solidFill>
-                  <a:srgbClr val="000000"/>
-                </a:solidFill>
-                <a:effectLst/>
-                <a:uLnTx/>
-                <a:uFillTx/>
-                <a:latin typeface="Arial"/>
-                <a:cs typeface="Arial"/>
-                <a:sym typeface="Arial"/>
-              </a:rPr>
-              <a:t>, – внутри литералов или в вызовах функций, например.</a:t>
+              <a:rPr lang="en-US" dirty="0" smtClean="0"/>
+              <a:t>  </a:t>
             </a:r>
           </a:p>
           <a:p>
-            <a:pPr marL="0" marR="0" lvl="0" indent="0" algn="l" defTabSz="914400" rtl="0" eaLnBrk="1" fontAlgn="auto" latinLnBrk="0" hangingPunct="1">
-              <a:lnSpc>
-                <a:spcPct val="100000"/>
-              </a:lnSpc>
-              <a:spcBef>
-                <a:spcPts val="0"/>
-              </a:spcBef>
-              <a:spcAft>
-                <a:spcPts val="0"/>
-              </a:spcAft>
-              <a:buClrTx/>
-              <a:buSzTx/>
-              <a:buFontTx/>
-              <a:buNone/>
-              <a:tabLst/>
-              <a:defRPr/>
-            </a:pPr>
-            <a:endParaRPr kumimoji="0" lang="ru-RU" sz="3600" b="0" i="0" u="none" strike="noStrike" kern="0" cap="none" spc="0" normalizeH="0" baseline="0" noProof="0" dirty="0">
-              <a:ln>
-                <a:noFill/>
-              </a:ln>
-              <a:solidFill>
-                <a:srgbClr val="000000"/>
-              </a:solidFill>
-              <a:effectLst/>
-              <a:uLnTx/>
-              <a:uFillTx/>
-              <a:latin typeface="Arial"/>
-              <a:cs typeface="Arial"/>
-              <a:sym typeface="Arial"/>
-            </a:endParaRPr>
-          </a:p>
-          <a:p>
-            <a:pPr marL="0" marR="0" lvl="0" indent="0" algn="l" defTabSz="914400" rtl="0" eaLnBrk="1" fontAlgn="auto" latinLnBrk="0" hangingPunct="1">
-              <a:lnSpc>
-                <a:spcPct val="100000"/>
-              </a:lnSpc>
-              <a:spcBef>
-                <a:spcPts val="0"/>
-              </a:spcBef>
-              <a:spcAft>
-                <a:spcPts val="0"/>
-              </a:spcAft>
-              <a:buClrTx/>
-              <a:buSzTx/>
-              <a:buFontTx/>
-              <a:buNone/>
-              <a:tabLst/>
-              <a:defRPr/>
-            </a:pPr>
             <a:r>
-              <a:rPr kumimoji="0" lang="en-US" sz="3600" b="0" i="0" u="none" strike="noStrike" kern="0" cap="none" spc="0" normalizeH="0" baseline="0" noProof="0" dirty="0" smtClean="0">
-                <a:ln>
-                  <a:noFill/>
-                </a:ln>
-                <a:solidFill>
-                  <a:srgbClr val="000000"/>
-                </a:solidFill>
-                <a:effectLst/>
-                <a:uLnTx/>
-                <a:uFillTx/>
-                <a:latin typeface="Arial"/>
-                <a:cs typeface="Arial"/>
-                <a:sym typeface="Arial"/>
+              <a:rPr lang="en-US" dirty="0">
+                <a:hlinkClick r:id="rId5"/>
               </a:rPr>
-              <a:t>T</a:t>
+              <a:t>https://</a:t>
             </a:r>
             <a:r>
-              <a:rPr kumimoji="0" lang="ru-RU" sz="3600" b="0" i="0" u="none" strike="noStrike" kern="0" cap="none" spc="0" normalizeH="0" baseline="0" noProof="0" dirty="0" smtClean="0">
-                <a:ln>
-                  <a:noFill/>
-                </a:ln>
-                <a:solidFill>
-                  <a:srgbClr val="000000"/>
-                </a:solidFill>
-                <a:effectLst/>
-                <a:uLnTx/>
-                <a:uFillTx/>
-                <a:latin typeface="Arial"/>
-                <a:cs typeface="Arial"/>
-                <a:sym typeface="Arial"/>
+              <a:rPr lang="en-US" dirty="0" smtClean="0">
+                <a:hlinkClick r:id="rId5"/>
               </a:rPr>
-              <a:t>ело  </a:t>
+              <a:t>docs.python.org/3/library/functions.html</a:t>
             </a:r>
             <a:r>
-              <a:rPr kumimoji="0" lang="ru-RU" sz="3600" b="0" i="0" u="none" strike="noStrike" kern="0" cap="none" spc="0" normalizeH="0" baseline="0" noProof="0" dirty="0" err="1">
-                <a:ln>
-                  <a:noFill/>
-                </a:ln>
-                <a:solidFill>
-                  <a:srgbClr val="000000"/>
-                </a:solidFill>
-                <a:effectLst/>
-                <a:uLnTx/>
-                <a:uFillTx/>
-                <a:latin typeface="Arial"/>
-                <a:cs typeface="Arial"/>
-                <a:sym typeface="Arial"/>
-              </a:rPr>
-              <a:t>lambda</a:t>
+              <a:rPr lang="en-US" dirty="0" smtClean="0"/>
+              <a:t> </a:t>
             </a:r>
-            <a:r>
-              <a:rPr kumimoji="0" lang="ru-RU" sz="3600" b="0" i="0" u="none" strike="noStrike" kern="0" cap="none" spc="0" normalizeH="0" baseline="0" noProof="0" dirty="0">
-                <a:ln>
-                  <a:noFill/>
-                </a:ln>
-                <a:solidFill>
-                  <a:srgbClr val="000000"/>
-                </a:solidFill>
-                <a:effectLst/>
-                <a:uLnTx/>
-                <a:uFillTx/>
-                <a:latin typeface="Arial"/>
-                <a:cs typeface="Arial"/>
-                <a:sym typeface="Arial"/>
-              </a:rPr>
-              <a:t> – это не блок инструкций, а единственное выражение.  Тело</a:t>
-            </a:r>
-          </a:p>
-          <a:p>
-            <a:pPr marL="0" marR="0" lvl="0" indent="0" algn="l" defTabSz="914400" rtl="0" eaLnBrk="1" fontAlgn="auto" latinLnBrk="0" hangingPunct="1">
-              <a:lnSpc>
-                <a:spcPct val="100000"/>
-              </a:lnSpc>
-              <a:spcBef>
-                <a:spcPts val="0"/>
-              </a:spcBef>
-              <a:spcAft>
-                <a:spcPts val="0"/>
-              </a:spcAft>
-              <a:buClrTx/>
-              <a:buSzTx/>
-              <a:buFontTx/>
-              <a:buNone/>
-              <a:tabLst/>
-              <a:defRPr/>
-            </a:pPr>
-            <a:r>
-              <a:rPr kumimoji="0" lang="ru-RU" sz="3600" b="0" i="0" u="none" strike="noStrike" kern="0" cap="none" spc="0" normalizeH="0" baseline="0" noProof="0" dirty="0" err="1">
-                <a:ln>
-                  <a:noFill/>
-                </a:ln>
-                <a:solidFill>
-                  <a:srgbClr val="000000"/>
-                </a:solidFill>
-                <a:effectLst/>
-                <a:uLnTx/>
-                <a:uFillTx/>
-                <a:latin typeface="Arial"/>
-                <a:cs typeface="Arial"/>
-                <a:sym typeface="Arial"/>
-              </a:rPr>
-              <a:t>lambda</a:t>
-            </a:r>
-            <a:r>
-              <a:rPr kumimoji="0" lang="ru-RU" sz="3600" b="0" i="0" u="none" strike="noStrike" kern="0" cap="none" spc="0" normalizeH="0" baseline="0" noProof="0" dirty="0">
-                <a:ln>
-                  <a:noFill/>
-                </a:ln>
-                <a:solidFill>
-                  <a:srgbClr val="000000"/>
-                </a:solidFill>
-                <a:effectLst/>
-                <a:uLnTx/>
-                <a:uFillTx/>
-                <a:latin typeface="Arial"/>
-                <a:cs typeface="Arial"/>
-                <a:sym typeface="Arial"/>
-              </a:rPr>
-              <a:t>-выражения сродни тому, что вы помещаете в инструкцию </a:t>
-            </a:r>
-            <a:r>
-              <a:rPr kumimoji="0" lang="ru-RU" sz="3600" b="0" i="0" u="none" strike="noStrike" kern="0" cap="none" spc="0" normalizeH="0" baseline="0" noProof="0" dirty="0" err="1">
-                <a:ln>
-                  <a:noFill/>
-                </a:ln>
-                <a:solidFill>
-                  <a:srgbClr val="000000"/>
-                </a:solidFill>
-                <a:effectLst/>
-                <a:uLnTx/>
-                <a:uFillTx/>
-                <a:latin typeface="Arial"/>
-                <a:cs typeface="Arial"/>
-                <a:sym typeface="Arial"/>
-              </a:rPr>
-              <a:t>return</a:t>
-            </a:r>
-            <a:r>
-              <a:rPr kumimoji="0" lang="ru-RU" sz="3600" b="0" i="0" u="none" strike="noStrike" kern="0" cap="none" spc="0" normalizeH="0" baseline="0" noProof="0" dirty="0">
-                <a:ln>
-                  <a:noFill/>
-                </a:ln>
-                <a:solidFill>
-                  <a:srgbClr val="000000"/>
-                </a:solidFill>
-                <a:effectLst/>
-                <a:uLnTx/>
-                <a:uFillTx/>
-                <a:latin typeface="Arial"/>
-                <a:cs typeface="Arial"/>
-                <a:sym typeface="Arial"/>
-              </a:rPr>
-              <a:t> внутри определения </a:t>
-            </a:r>
-            <a:r>
-              <a:rPr kumimoji="0" lang="ru-RU" sz="3600" b="0" i="0" u="none" strike="noStrike" kern="0" cap="none" spc="0" normalizeH="0" baseline="0" noProof="0" dirty="0" err="1">
-                <a:ln>
-                  <a:noFill/>
-                </a:ln>
-                <a:solidFill>
-                  <a:srgbClr val="000000"/>
-                </a:solidFill>
-                <a:effectLst/>
-                <a:uLnTx/>
-                <a:uFillTx/>
-                <a:latin typeface="Arial"/>
-                <a:cs typeface="Arial"/>
-                <a:sym typeface="Arial"/>
-              </a:rPr>
-              <a:t>def</a:t>
-            </a:r>
-            <a:r>
-              <a:rPr kumimoji="0" lang="ru-RU" sz="3600" b="0" i="0" u="none" strike="noStrike" kern="0" cap="none" spc="0" normalizeH="0" baseline="0" noProof="0" dirty="0">
-                <a:ln>
-                  <a:noFill/>
-                </a:ln>
-                <a:solidFill>
-                  <a:srgbClr val="000000"/>
-                </a:solidFill>
-                <a:effectLst/>
-                <a:uLnTx/>
-                <a:uFillTx/>
-                <a:latin typeface="Arial"/>
-                <a:cs typeface="Arial"/>
-                <a:sym typeface="Arial"/>
-              </a:rPr>
-              <a:t>, – вы просто вводите результат в виде выражения вместо  его явного  возврата.</a:t>
-            </a:r>
+            <a:endParaRPr lang="ru-RU" dirty="0"/>
           </a:p>
         </p:txBody>
       </p:sp>
     </p:spTree>
     <p:extLst>
       <p:ext uri="{BB962C8B-B14F-4D97-AF65-F5344CB8AC3E}">
-        <p14:creationId xmlns:p14="http://schemas.microsoft.com/office/powerpoint/2010/main" val="2750641273"/>
+        <p14:creationId xmlns:p14="http://schemas.microsoft.com/office/powerpoint/2010/main" val="4245665327"/>
       </p:ext>
     </p:extLst>
   </p:cSld>
